--- a/exp3/theoryimage/Procedure.pptx
+++ b/exp3/theoryimage/Procedure.pptx
@@ -5,7 +5,7 @@
     <p:sldMasterId id="2147483665" r:id="rId1"/>
   </p:sldMasterIdLst>
   <p:notesMasterIdLst>
-    <p:notesMasterId r:id="rId11"/>
+    <p:notesMasterId r:id="rId9"/>
   </p:notesMasterIdLst>
   <p:sldIdLst>
     <p:sldId id="256" r:id="rId2"/>
@@ -15,25 +15,23 @@
     <p:sldId id="260" r:id="rId6"/>
     <p:sldId id="261" r:id="rId7"/>
     <p:sldId id="262" r:id="rId8"/>
-    <p:sldId id="263" r:id="rId9"/>
-    <p:sldId id="264" r:id="rId10"/>
   </p:sldIdLst>
   <p:sldSz cx="12192000" cy="6858000"/>
   <p:notesSz cx="6858000" cy="9144000"/>
   <p:embeddedFontLst>
     <p:embeddedFont>
       <p:font typeface="Corbel" panose="020B0503020204020204" pitchFamily="34" charset="0"/>
-      <p:regular r:id="rId12"/>
-      <p:bold r:id="rId13"/>
-      <p:italic r:id="rId14"/>
-      <p:boldItalic r:id="rId15"/>
+      <p:regular r:id="rId10"/>
+      <p:bold r:id="rId11"/>
+      <p:italic r:id="rId12"/>
+      <p:boldItalic r:id="rId13"/>
     </p:embeddedFont>
     <p:embeddedFont>
       <p:font typeface="Quattrocento Sans" panose="020B0604020202020204" charset="0"/>
-      <p:regular r:id="rId16"/>
-      <p:bold r:id="rId17"/>
-      <p:italic r:id="rId18"/>
-      <p:boldItalic r:id="rId19"/>
+      <p:regular r:id="rId14"/>
+      <p:bold r:id="rId15"/>
+      <p:italic r:id="rId16"/>
+      <p:boldItalic r:id="rId17"/>
     </p:embeddedFont>
   </p:embeddedFontLst>
   <p:defaultTextStyle>
@@ -1428,214 +1426,6 @@
             </a:pathLst>
           </a:custGeom>
         </p:spPr>
-      </p:sp>
-    </p:spTree>
-  </p:cSld>
-  <p:clrMapOvr>
-    <a:masterClrMapping/>
-  </p:clrMapOvr>
-</p:notes>
-</file>
-
-<file path=ppt/notesSlides/notesSlide8.xml><?xml version="1.0" encoding="utf-8"?>
-<p:notes xmlns:a="http://schemas.openxmlformats.org/drawingml/2006/main" xmlns:r="http://schemas.openxmlformats.org/officeDocument/2006/relationships" xmlns:p="http://schemas.openxmlformats.org/presentationml/2006/main" showMasterSp="0" showMasterPhAnim="0">
-  <p:cSld>
-    <p:spTree>
-      <p:nvGrpSpPr>
-        <p:cNvPr id="1" name="Shape 192"/>
-        <p:cNvGrpSpPr/>
-        <p:nvPr/>
-      </p:nvGrpSpPr>
-      <p:grpSpPr>
-        <a:xfrm>
-          <a:off x="0" y="0"/>
-          <a:ext cx="0" cy="0"/>
-          <a:chOff x="0" y="0"/>
-          <a:chExt cx="0" cy="0"/>
-        </a:xfrm>
-      </p:grpSpPr>
-      <p:sp>
-        <p:nvSpPr>
-          <p:cNvPr id="193" name="Google Shape;193;p9:notes"/>
-          <p:cNvSpPr txBox="1">
-            <a:spLocks noGrp="1"/>
-          </p:cNvSpPr>
-          <p:nvPr>
-            <p:ph type="body" idx="1"/>
-          </p:nvPr>
-        </p:nvSpPr>
-        <p:spPr>
-          <a:xfrm>
-            <a:off x="685800" y="4343400"/>
-            <a:ext cx="5486400" cy="4114800"/>
-          </a:xfrm>
-          <a:prstGeom prst="rect">
-            <a:avLst/>
-          </a:prstGeom>
-        </p:spPr>
-        <p:txBody>
-          <a:bodyPr spcFirstLastPara="1" wrap="square" lIns="91425" tIns="91425" rIns="91425" bIns="91425" anchor="t" anchorCtr="0">
-            <a:noAutofit/>
-          </a:bodyPr>
-          <a:lstStyle/>
-          <a:p>
-            <a:pPr marL="0" lvl="0" indent="0" algn="l" rtl="0">
-              <a:spcBef>
-                <a:spcPts val="0"/>
-              </a:spcBef>
-              <a:spcAft>
-                <a:spcPts val="0"/>
-              </a:spcAft>
-              <a:buNone/>
-            </a:pPr>
-            <a:endParaRPr/>
-          </a:p>
-        </p:txBody>
-      </p:sp>
-      <p:sp>
-        <p:nvSpPr>
-          <p:cNvPr id="194" name="Google Shape;194;p9:notes"/>
-          <p:cNvSpPr>
-            <a:spLocks noGrp="1" noRot="1" noChangeAspect="1"/>
-          </p:cNvSpPr>
-          <p:nvPr>
-            <p:ph type="sldImg" idx="2"/>
-          </p:nvPr>
-        </p:nvSpPr>
-        <p:spPr>
-          <a:xfrm>
-            <a:off x="381000" y="685800"/>
-            <a:ext cx="6096000" cy="3429000"/>
-          </a:xfrm>
-          <a:custGeom>
-            <a:avLst/>
-            <a:gdLst/>
-            <a:ahLst/>
-            <a:cxnLst/>
-            <a:rect l="l" t="t" r="r" b="b"/>
-            <a:pathLst>
-              <a:path w="120000" h="120000" extrusionOk="0">
-                <a:moveTo>
-                  <a:pt x="0" y="0"/>
-                </a:moveTo>
-                <a:lnTo>
-                  <a:pt x="120000" y="0"/>
-                </a:lnTo>
-                <a:lnTo>
-                  <a:pt x="120000" y="120000"/>
-                </a:lnTo>
-                <a:lnTo>
-                  <a:pt x="0" y="120000"/>
-                </a:lnTo>
-                <a:close/>
-              </a:path>
-            </a:pathLst>
-          </a:custGeom>
-        </p:spPr>
-      </p:sp>
-    </p:spTree>
-  </p:cSld>
-  <p:clrMapOvr>
-    <a:masterClrMapping/>
-  </p:clrMapOvr>
-</p:notes>
-</file>
-
-<file path=ppt/notesSlides/notesSlide9.xml><?xml version="1.0" encoding="utf-8"?>
-<p:notes xmlns:a="http://schemas.openxmlformats.org/drawingml/2006/main" xmlns:r="http://schemas.openxmlformats.org/officeDocument/2006/relationships" xmlns:p="http://schemas.openxmlformats.org/presentationml/2006/main" showMasterSp="0" showMasterPhAnim="0">
-  <p:cSld>
-    <p:spTree>
-      <p:nvGrpSpPr>
-        <p:cNvPr id="1" name="Shape 199"/>
-        <p:cNvGrpSpPr/>
-        <p:nvPr/>
-      </p:nvGrpSpPr>
-      <p:grpSpPr>
-        <a:xfrm>
-          <a:off x="0" y="0"/>
-          <a:ext cx="0" cy="0"/>
-          <a:chOff x="0" y="0"/>
-          <a:chExt cx="0" cy="0"/>
-        </a:xfrm>
-      </p:grpSpPr>
-      <p:sp>
-        <p:nvSpPr>
-          <p:cNvPr id="200" name="Google Shape;200;g10c5e81c8c0_1_12:notes"/>
-          <p:cNvSpPr>
-            <a:spLocks noGrp="1" noRot="1" noChangeAspect="1"/>
-          </p:cNvSpPr>
-          <p:nvPr>
-            <p:ph type="sldImg" idx="2"/>
-          </p:nvPr>
-        </p:nvSpPr>
-        <p:spPr>
-          <a:xfrm>
-            <a:off x="381000" y="685800"/>
-            <a:ext cx="6096000" cy="3429000"/>
-          </a:xfrm>
-          <a:custGeom>
-            <a:avLst/>
-            <a:gdLst/>
-            <a:ahLst/>
-            <a:cxnLst/>
-            <a:rect l="l" t="t" r="r" b="b"/>
-            <a:pathLst>
-              <a:path w="120000" h="120000" extrusionOk="0">
-                <a:moveTo>
-                  <a:pt x="0" y="0"/>
-                </a:moveTo>
-                <a:lnTo>
-                  <a:pt x="120000" y="0"/>
-                </a:lnTo>
-                <a:lnTo>
-                  <a:pt x="120000" y="120000"/>
-                </a:lnTo>
-                <a:lnTo>
-                  <a:pt x="0" y="120000"/>
-                </a:lnTo>
-                <a:close/>
-              </a:path>
-            </a:pathLst>
-          </a:custGeom>
-        </p:spPr>
-      </p:sp>
-      <p:sp>
-        <p:nvSpPr>
-          <p:cNvPr id="201" name="Google Shape;201;g10c5e81c8c0_1_12:notes"/>
-          <p:cNvSpPr txBox="1">
-            <a:spLocks noGrp="1"/>
-          </p:cNvSpPr>
-          <p:nvPr>
-            <p:ph type="body" idx="1"/>
-          </p:nvPr>
-        </p:nvSpPr>
-        <p:spPr>
-          <a:xfrm>
-            <a:off x="685800" y="4343400"/>
-            <a:ext cx="5486400" cy="4114800"/>
-          </a:xfrm>
-          <a:prstGeom prst="rect">
-            <a:avLst/>
-          </a:prstGeom>
-        </p:spPr>
-        <p:txBody>
-          <a:bodyPr spcFirstLastPara="1" wrap="square" lIns="91425" tIns="91425" rIns="91425" bIns="91425" anchor="t" anchorCtr="0">
-            <a:noAutofit/>
-          </a:bodyPr>
-          <a:lstStyle/>
-          <a:p>
-            <a:pPr marL="0" lvl="0" indent="0" algn="l" rtl="0">
-              <a:spcBef>
-                <a:spcPts val="0"/>
-              </a:spcBef>
-              <a:spcAft>
-                <a:spcPts val="0"/>
-              </a:spcAft>
-              <a:buNone/>
-            </a:pPr>
-            <a:endParaRPr/>
-          </a:p>
-        </p:txBody>
       </p:sp>
     </p:spTree>
   </p:cSld>
@@ -17323,7 +17113,7 @@
                 <a:cs typeface="Quattrocento Sans"/>
                 <a:sym typeface="Quattrocento Sans"/>
               </a:rPr>
-              <a:t>EXPERIMENT 2</a:t>
+              <a:t>EXPERIMENT 3</a:t>
             </a:r>
             <a:endParaRPr sz="2100"/>
           </a:p>
@@ -17367,7 +17157,7 @@
                 <a:cs typeface="Quattrocento Sans"/>
                 <a:sym typeface="Quattrocento Sans"/>
               </a:rPr>
-              <a:t>To study and verify parallel RL &amp; RC Circuits</a:t>
+              <a:t>To study the Load Characteristics of DC shunt generator</a:t>
             </a:r>
             <a:endParaRPr sz="3900" b="0" i="0" u="none" strike="noStrike" cap="none">
               <a:solidFill>
@@ -17520,7 +17310,7 @@
         </p:nvSpPr>
         <p:spPr>
           <a:xfrm>
-            <a:off x="1484300" y="776700"/>
+            <a:off x="1484300" y="685800"/>
             <a:ext cx="10018800" cy="1289100"/>
           </a:xfrm>
           <a:prstGeom prst="rect">
@@ -17551,9 +17341,18 @@
                 <a:cs typeface="Arial"/>
                 <a:sym typeface="Arial"/>
               </a:rPr>
-              <a:t>Go to the Simulator tab and select RL Parallel Circuit / RC Parallel Circuit.</a:t>
+              <a:t>Go to the Simulator tab and click on </a:t>
             </a:r>
-            <a:endParaRPr sz="2500">
+            <a:r>
+              <a:rPr lang="en-US" sz="2500" b="1">
+                <a:latin typeface="Arial"/>
+                <a:ea typeface="Arial"/>
+                <a:cs typeface="Arial"/>
+                <a:sym typeface="Arial"/>
+              </a:rPr>
+              <a:t>Start Simulator.</a:t>
+            </a:r>
+            <a:endParaRPr sz="2500" b="1">
               <a:latin typeface="Arial"/>
               <a:ea typeface="Arial"/>
               <a:cs typeface="Arial"/>
@@ -17572,13 +17371,13 @@
           <a:blip r:embed="rId3">
             <a:alphaModFix/>
           </a:blip>
-          <a:srcRect t="42346" r="42902" b="7939"/>
+          <a:srcRect l="19813" t="17226" r="15836" b="12804"/>
           <a:stretch/>
         </p:blipFill>
         <p:spPr>
           <a:xfrm>
-            <a:off x="2478800" y="1900550"/>
-            <a:ext cx="9336801" cy="4527800"/>
+            <a:off x="3091725" y="1619475"/>
+            <a:ext cx="8411374" cy="5040225"/>
           </a:xfrm>
           <a:prstGeom prst="rect">
             <a:avLst/>
@@ -17712,7 +17511,7 @@
         <p:spPr>
           <a:xfrm>
             <a:off x="1735125" y="265700"/>
-            <a:ext cx="9518700" cy="1723800"/>
+            <a:ext cx="9518700" cy="1339200"/>
           </a:xfrm>
           <a:prstGeom prst="rect">
             <a:avLst/>
@@ -17739,31 +17538,15 @@
             </a:pPr>
             <a:r>
               <a:rPr lang="en-US" sz="2500"/>
-              <a:t>2) Set the values of voltage source(Es),frequency(f),Resistor(R) and Inductor(L). </a:t>
-            </a:r>
-            <a:endParaRPr sz="2500"/>
-          </a:p>
-          <a:p>
-            <a:pPr marL="0" lvl="0" indent="0" algn="l" rtl="0">
-              <a:spcBef>
-                <a:spcPts val="0"/>
-              </a:spcBef>
-              <a:spcAft>
-                <a:spcPts val="0"/>
-              </a:spcAft>
-              <a:buNone/>
-            </a:pPr>
-            <a:r>
-              <a:rPr lang="en-US" sz="2500"/>
-              <a:t>(</a:t>
+              <a:t>2) Note the shunt and armature readings for current and voltage when the load is of 1 bulb.Click on </a:t>
             </a:r>
             <a:r>
               <a:rPr lang="en-US" sz="2500" b="1"/>
-              <a:t>range</a:t>
+              <a:t>Add to table</a:t>
             </a:r>
             <a:r>
               <a:rPr lang="en-US" sz="2500"/>
-              <a:t>: voltage:1V to 300V ,Frequency:1 Hz to 300Hz,Resistor : 1 ohm to 10k ohm ,Inductor: upto 1000 Henry)</a:t>
+              <a:t> button to save the readings.</a:t>
             </a:r>
             <a:endParaRPr sz="2500"/>
           </a:p>
@@ -17822,13 +17605,13 @@
           <a:blip r:embed="rId3">
             <a:alphaModFix/>
           </a:blip>
-          <a:srcRect l="11821" t="38142" r="37024" b="15137"/>
+          <a:srcRect l="16730" t="16059" r="4720" b="6282"/>
           <a:stretch/>
         </p:blipFill>
         <p:spPr>
           <a:xfrm>
-            <a:off x="2677100" y="1989500"/>
-            <a:ext cx="8394849" cy="4719775"/>
+            <a:off x="2280500" y="1470750"/>
+            <a:ext cx="9518701" cy="5172424"/>
           </a:xfrm>
           <a:prstGeom prst="rect">
             <a:avLst/>
@@ -17923,7 +17706,7 @@
         <p:spPr>
           <a:xfrm>
             <a:off x="1751675" y="479225"/>
-            <a:ext cx="9320400" cy="954300"/>
+            <a:ext cx="9320400" cy="1723800"/>
           </a:xfrm>
           <a:prstGeom prst="rect">
             <a:avLst/>
@@ -17950,39 +17733,15 @@
             </a:pPr>
             <a:r>
               <a:rPr lang="en-US" sz="2500"/>
-              <a:t>3) Put the values in equations given. Solve the equations to find current(I</a:t>
+              <a:t>3) Now,increase the number of bulbs i.e.load gradually and observe the change in current and voltage.Also click on the</a:t>
             </a:r>
             <a:r>
-              <a:rPr lang="en-US" sz="2500" baseline="-25000"/>
-              <a:t>L</a:t>
+              <a:rPr lang="en-US" sz="2500" b="1"/>
+              <a:t> Add to table </a:t>
             </a:r>
             <a:r>
               <a:rPr lang="en-US" sz="2500"/>
-              <a:t>, I</a:t>
-            </a:r>
-            <a:r>
-              <a:rPr lang="en-US" sz="2500" baseline="-25000"/>
-              <a:t>R</a:t>
-            </a:r>
-            <a:r>
-              <a:rPr lang="en-US" sz="2500"/>
-              <a:t>,I</a:t>
-            </a:r>
-            <a:r>
-              <a:rPr lang="en-US" sz="2500" baseline="-25000"/>
-              <a:t>S </a:t>
-            </a:r>
-            <a:r>
-              <a:rPr lang="en-US" sz="2500"/>
-              <a:t>),reactance(X</a:t>
-            </a:r>
-            <a:r>
-              <a:rPr lang="en-US" sz="2500" baseline="-25000"/>
-              <a:t>L</a:t>
-            </a:r>
-            <a:r>
-              <a:rPr lang="en-US" sz="2500"/>
-              <a:t>),impedance(Z),power(P)=V.I </a:t>
+              <a:t>button for each increment.Maximum 6 readings are possible.</a:t>
             </a:r>
             <a:endParaRPr sz="2500"/>
           </a:p>
@@ -18037,18 +17796,17 @@
           <p:cNvPicPr preferRelativeResize="0"/>
           <p:nvPr/>
         </p:nvPicPr>
-        <p:blipFill>
+        <p:blipFill rotWithShape="1">
           <a:blip r:embed="rId3">
             <a:alphaModFix/>
           </a:blip>
-          <a:stretch>
-            <a:fillRect/>
-          </a:stretch>
+          <a:srcRect l="23517" t="21618" r="24703" b="19571"/>
+          <a:stretch/>
         </p:blipFill>
         <p:spPr>
           <a:xfrm>
-            <a:off x="3671025" y="2082200"/>
-            <a:ext cx="6855600" cy="4263525"/>
+            <a:off x="2781050" y="2140400"/>
+            <a:ext cx="9114874" cy="4572000"/>
           </a:xfrm>
           <a:prstGeom prst="rect">
             <a:avLst/>
@@ -18183,7 +17941,7 @@
         <p:spPr>
           <a:xfrm>
             <a:off x="1792475" y="351525"/>
-            <a:ext cx="9518700" cy="2108700"/>
+            <a:ext cx="9518700" cy="1339200"/>
           </a:xfrm>
           <a:prstGeom prst="rect">
             <a:avLst/>
@@ -18210,39 +17968,7 @@
             </a:pPr>
             <a:r>
               <a:rPr lang="en-US" sz="2500"/>
-              <a:t>4) Put the values which you have calculated in tabular form as shown.</a:t>
-            </a:r>
-            <a:endParaRPr sz="2500"/>
-          </a:p>
-          <a:p>
-            <a:pPr marL="0" lvl="0" indent="0" algn="l" rtl="0">
-              <a:spcBef>
-                <a:spcPts val="0"/>
-              </a:spcBef>
-              <a:spcAft>
-                <a:spcPts val="0"/>
-              </a:spcAft>
-              <a:buNone/>
-            </a:pPr>
-            <a:r>
-              <a:rPr lang="en-US" sz="2500" b="1"/>
-              <a:t>NOTE:i) If your answer is less than 1,then round it off upto 5 decimal places.</a:t>
-            </a:r>
-            <a:endParaRPr sz="2500" b="1"/>
-          </a:p>
-          <a:p>
-            <a:pPr marL="0" lvl="0" indent="0" algn="l" rtl="0">
-              <a:spcBef>
-                <a:spcPts val="0"/>
-              </a:spcBef>
-              <a:spcAft>
-                <a:spcPts val="0"/>
-              </a:spcAft>
-              <a:buNone/>
-            </a:pPr>
-            <a:r>
-              <a:rPr lang="en-US" sz="2500" b="1"/>
-              <a:t>ii) No need to calculate voltage and resistance as it is given.</a:t>
+              <a:t>4) Click on Plot Graph button.Load characteristics of DC generator  will be displayed according to the values in the table.Observe the relation between load current and terminal voltage.</a:t>
             </a:r>
             <a:endParaRPr sz="2500" b="1"/>
           </a:p>
@@ -18258,13 +17984,13 @@
           <a:blip r:embed="rId3">
             <a:alphaModFix/>
           </a:blip>
-          <a:srcRect l="12012" t="49388" r="33951" b="26938"/>
+          <a:srcRect l="28689" t="53897" r="21923" b="5771"/>
           <a:stretch/>
         </p:blipFill>
         <p:spPr>
           <a:xfrm>
-            <a:off x="2673300" y="2363125"/>
-            <a:ext cx="9518701" cy="4197425"/>
+            <a:off x="2611850" y="1690725"/>
+            <a:ext cx="9164351" cy="4907626"/>
           </a:xfrm>
           <a:prstGeom prst="rect">
             <a:avLst/>
@@ -18428,27 +18154,11 @@
             </a:r>
             <a:r>
               <a:rPr lang="en-US" sz="2500" b="1"/>
-              <a:t>Verify Reactance/Impedance</a:t>
+              <a:t>Reset </a:t>
             </a:r>
             <a:r>
               <a:rPr lang="en-US" sz="2500"/>
-              <a:t> ,</a:t>
-            </a:r>
-            <a:r>
-              <a:rPr lang="en-US" sz="2500" b="1"/>
-              <a:t>Verify Current</a:t>
-            </a:r>
-            <a:r>
-              <a:rPr lang="en-US" sz="2500"/>
-              <a:t> ,</a:t>
-            </a:r>
-            <a:r>
-              <a:rPr lang="en-US" sz="2500" b="1"/>
-              <a:t>Verify Power </a:t>
-            </a:r>
-            <a:r>
-              <a:rPr lang="en-US" sz="2500"/>
-              <a:t>buttons to verify your answers.</a:t>
+              <a:t>button to reset all the values and to take the new set of readings.</a:t>
             </a:r>
             <a:endParaRPr sz="2500"/>
           </a:p>
@@ -18464,269 +18174,13 @@
           <a:blip r:embed="rId3">
             <a:alphaModFix/>
           </a:blip>
-          <a:srcRect l="12332" t="37582" r="33721" b="6969"/>
+          <a:srcRect l="17080" t="25152" r="8170" b="6884"/>
           <a:stretch/>
         </p:blipFill>
         <p:spPr>
           <a:xfrm>
-            <a:off x="2387525" y="1383950"/>
-            <a:ext cx="9650626" cy="5007176"/>
-          </a:xfrm>
-          <a:prstGeom prst="rect">
-            <a:avLst/>
-          </a:prstGeom>
-          <a:noFill/>
-          <a:ln>
-            <a:noFill/>
-          </a:ln>
-        </p:spPr>
-      </p:pic>
-    </p:spTree>
-  </p:cSld>
-  <p:clrMapOvr>
-    <a:masterClrMapping/>
-  </p:clrMapOvr>
-</p:sld>
-</file>
-
-<file path=ppt/slides/slide8.xml><?xml version="1.0" encoding="utf-8"?>
-<p:sld xmlns:a="http://schemas.openxmlformats.org/drawingml/2006/main" xmlns:r="http://schemas.openxmlformats.org/officeDocument/2006/relationships" xmlns:p="http://schemas.openxmlformats.org/presentationml/2006/main">
-  <p:cSld>
-    <p:spTree>
-      <p:nvGrpSpPr>
-        <p:cNvPr id="1" name="Shape 195"/>
-        <p:cNvGrpSpPr/>
-        <p:nvPr/>
-      </p:nvGrpSpPr>
-      <p:grpSpPr>
-        <a:xfrm>
-          <a:off x="0" y="0"/>
-          <a:ext cx="0" cy="0"/>
-          <a:chOff x="0" y="0"/>
-          <a:chExt cx="0" cy="0"/>
-        </a:xfrm>
-      </p:grpSpPr>
-      <p:sp>
-        <p:nvSpPr>
-          <p:cNvPr id="196" name="Google Shape;196;p26"/>
-          <p:cNvSpPr/>
-          <p:nvPr/>
-        </p:nvSpPr>
-        <p:spPr>
-          <a:xfrm>
-            <a:off x="2359376" y="1259725"/>
-            <a:ext cx="9039654" cy="4338550"/>
-          </a:xfrm>
-          <a:prstGeom prst="rect">
-            <a:avLst/>
-          </a:prstGeom>
-          <a:solidFill>
-            <a:srgbClr val="FFFFFF">
-              <a:alpha val="0"/>
-            </a:srgbClr>
-          </a:solidFill>
-          <a:ln>
-            <a:noFill/>
-          </a:ln>
-        </p:spPr>
-        <p:txBody>
-          <a:bodyPr spcFirstLastPara="1" wrap="square" lIns="91425" tIns="45700" rIns="91425" bIns="45700" anchor="t" anchorCtr="0">
-            <a:noAutofit/>
-          </a:bodyPr>
-          <a:lstStyle/>
-          <a:p>
-            <a:pPr marL="0" marR="0" lvl="0" indent="0" algn="l" rtl="0">
-              <a:spcBef>
-                <a:spcPts val="600"/>
-              </a:spcBef>
-              <a:spcAft>
-                <a:spcPts val="0"/>
-              </a:spcAft>
-              <a:buNone/>
-            </a:pPr>
-            <a:endParaRPr sz="2000" i="0" u="none" strike="noStrike" cap="none">
-              <a:solidFill>
-                <a:schemeClr val="dk1"/>
-              </a:solidFill>
-              <a:latin typeface="Quattrocento Sans"/>
-              <a:ea typeface="Quattrocento Sans"/>
-              <a:cs typeface="Quattrocento Sans"/>
-              <a:sym typeface="Quattrocento Sans"/>
-            </a:endParaRPr>
-          </a:p>
-        </p:txBody>
-      </p:sp>
-      <p:sp>
-        <p:nvSpPr>
-          <p:cNvPr id="197" name="Google Shape;197;p26"/>
-          <p:cNvSpPr txBox="1"/>
-          <p:nvPr/>
-        </p:nvSpPr>
-        <p:spPr>
-          <a:xfrm>
-            <a:off x="1801250" y="264400"/>
-            <a:ext cx="9518700" cy="954300"/>
-          </a:xfrm>
-          <a:prstGeom prst="rect">
-            <a:avLst/>
-          </a:prstGeom>
-          <a:noFill/>
-          <a:ln>
-            <a:noFill/>
-          </a:ln>
-        </p:spPr>
-        <p:txBody>
-          <a:bodyPr spcFirstLastPara="1" wrap="square" lIns="91425" tIns="91425" rIns="91425" bIns="91425" anchor="t" anchorCtr="0">
-            <a:spAutoFit/>
-          </a:bodyPr>
-          <a:lstStyle/>
-          <a:p>
-            <a:pPr marL="0" lvl="0" indent="0" algn="l" rtl="0">
-              <a:spcBef>
-                <a:spcPts val="0"/>
-              </a:spcBef>
-              <a:spcAft>
-                <a:spcPts val="0"/>
-              </a:spcAft>
-              <a:buNone/>
-            </a:pPr>
-            <a:r>
-              <a:rPr lang="en-US" sz="2500"/>
-              <a:t>6) Click on the </a:t>
-            </a:r>
-            <a:r>
-              <a:rPr lang="en-US" sz="2500" b="1"/>
-              <a:t>Click here to see answer </a:t>
-            </a:r>
-            <a:r>
-              <a:rPr lang="en-US" sz="2500"/>
-              <a:t>button to see correct answers if you want. Answers will be displayed in the table.</a:t>
-            </a:r>
-            <a:endParaRPr sz="2500"/>
-          </a:p>
-        </p:txBody>
-      </p:sp>
-      <p:pic>
-        <p:nvPicPr>
-          <p:cNvPr id="198" name="Google Shape;198;p26"/>
-          <p:cNvPicPr preferRelativeResize="0"/>
-          <p:nvPr/>
-        </p:nvPicPr>
-        <p:blipFill rotWithShape="1">
-          <a:blip r:embed="rId3">
-            <a:alphaModFix/>
-          </a:blip>
-          <a:srcRect l="12195" t="37823" r="34127" b="6487"/>
-          <a:stretch/>
-        </p:blipFill>
-        <p:spPr>
-          <a:xfrm>
-            <a:off x="2359375" y="1259725"/>
-            <a:ext cx="9799824" cy="5457525"/>
-          </a:xfrm>
-          <a:prstGeom prst="rect">
-            <a:avLst/>
-          </a:prstGeom>
-          <a:noFill/>
-          <a:ln>
-            <a:noFill/>
-          </a:ln>
-        </p:spPr>
-      </p:pic>
-    </p:spTree>
-  </p:cSld>
-  <p:clrMapOvr>
-    <a:masterClrMapping/>
-  </p:clrMapOvr>
-</p:sld>
-</file>
-
-<file path=ppt/slides/slide9.xml><?xml version="1.0" encoding="utf-8"?>
-<p:sld xmlns:a="http://schemas.openxmlformats.org/drawingml/2006/main" xmlns:r="http://schemas.openxmlformats.org/officeDocument/2006/relationships" xmlns:p="http://schemas.openxmlformats.org/presentationml/2006/main">
-  <p:cSld>
-    <p:spTree>
-      <p:nvGrpSpPr>
-        <p:cNvPr id="1" name="Shape 202"/>
-        <p:cNvGrpSpPr/>
-        <p:nvPr/>
-      </p:nvGrpSpPr>
-      <p:grpSpPr>
-        <a:xfrm>
-          <a:off x="0" y="0"/>
-          <a:ext cx="0" cy="0"/>
-          <a:chOff x="0" y="0"/>
-          <a:chExt cx="0" cy="0"/>
-        </a:xfrm>
-      </p:grpSpPr>
-      <p:sp>
-        <p:nvSpPr>
-          <p:cNvPr id="203" name="Google Shape;203;p27"/>
-          <p:cNvSpPr txBox="1">
-            <a:spLocks noGrp="1"/>
-          </p:cNvSpPr>
-          <p:nvPr>
-            <p:ph type="title"/>
-          </p:nvPr>
-        </p:nvSpPr>
-        <p:spPr>
-          <a:xfrm>
-            <a:off x="1484300" y="685800"/>
-            <a:ext cx="10018800" cy="768300"/>
-          </a:xfrm>
-          <a:prstGeom prst="rect">
-            <a:avLst/>
-          </a:prstGeom>
-        </p:spPr>
-        <p:txBody>
-          <a:bodyPr spcFirstLastPara="1" wrap="square" lIns="91425" tIns="45700" rIns="91425" bIns="45700" anchor="ctr" anchorCtr="0">
-            <a:normAutofit/>
-          </a:bodyPr>
-          <a:lstStyle/>
-          <a:p>
-            <a:pPr marL="0" lvl="0" indent="0" algn="l" rtl="0">
-              <a:spcBef>
-                <a:spcPts val="0"/>
-              </a:spcBef>
-              <a:spcAft>
-                <a:spcPts val="0"/>
-              </a:spcAft>
-              <a:buNone/>
-            </a:pPr>
-            <a:r>
-              <a:rPr lang="en-US" sz="2400">
-                <a:latin typeface="Arial"/>
-                <a:ea typeface="Arial"/>
-                <a:cs typeface="Arial"/>
-                <a:sym typeface="Arial"/>
-              </a:rPr>
-              <a:t>7) Repeat the same procedure for RC parallel circuit.</a:t>
-            </a:r>
-            <a:endParaRPr sz="2400">
-              <a:latin typeface="Arial"/>
-              <a:ea typeface="Arial"/>
-              <a:cs typeface="Arial"/>
-              <a:sym typeface="Arial"/>
-            </a:endParaRPr>
-          </a:p>
-        </p:txBody>
-      </p:sp>
-      <p:pic>
-        <p:nvPicPr>
-          <p:cNvPr id="204" name="Google Shape;204;p27"/>
-          <p:cNvPicPr preferRelativeResize="0"/>
-          <p:nvPr/>
-        </p:nvPicPr>
-        <p:blipFill rotWithShape="1">
-          <a:blip r:embed="rId3">
-            <a:alphaModFix/>
-          </a:blip>
-          <a:srcRect t="8893" r="16638" b="5760"/>
-          <a:stretch/>
-        </p:blipFill>
-        <p:spPr>
-          <a:xfrm>
-            <a:off x="1896750" y="1454100"/>
-            <a:ext cx="10295248" cy="5189075"/>
+            <a:off x="2296050" y="1383950"/>
+            <a:ext cx="9449626" cy="5290775"/>
           </a:xfrm>
           <a:prstGeom prst="rect">
             <a:avLst/>
